--- a/Presentation And Video/Walrus.pptx
+++ b/Presentation And Video/Walrus.pptx
@@ -227,7 +227,7 @@
           <a:effectLst/>
           <a:extLst>
             <a:ext uri="{91240B29-F687-4f45-9708-019B960494DF}">
-              <a14:hiddenLine xmlns="" xmlns:a14="http://schemas.microsoft.com/office/drawing/2010/main" w="9525">
+              <a14:hiddenLine xmlns:a14="http://schemas.microsoft.com/office/drawing/2010/main" xmlns="" w="9525">
                 <a:solidFill>
                   <a:srgbClr val="000000"/>
                 </a:solidFill>
@@ -1737,7 +1737,7 @@
           <a:ln/>
           <a:extLst>
             <a:ext uri="{91240B29-F687-4f45-9708-019B960494DF}">
-              <a14:hiddenLine xmlns="" xmlns:a14="http://schemas.microsoft.com/office/drawing/2010/main" w="9525">
+              <a14:hiddenLine xmlns:a14="http://schemas.microsoft.com/office/drawing/2010/main" xmlns="" w="9525">
                 <a:solidFill>
                   <a:srgbClr val="000000"/>
                 </a:solidFill>
@@ -2009,7 +2009,7 @@
           <a:ln/>
           <a:extLst>
             <a:ext uri="{91240B29-F687-4f45-9708-019B960494DF}">
-              <a14:hiddenLine xmlns="" xmlns:a14="http://schemas.microsoft.com/office/drawing/2010/main" w="9525">
+              <a14:hiddenLine xmlns:a14="http://schemas.microsoft.com/office/drawing/2010/main" xmlns="" w="9525">
                 <a:solidFill>
                   <a:srgbClr val="000000"/>
                 </a:solidFill>
@@ -2289,7 +2289,7 @@
           <a:ln/>
           <a:extLst>
             <a:ext uri="{91240B29-F687-4f45-9708-019B960494DF}">
-              <a14:hiddenLine xmlns="" xmlns:a14="http://schemas.microsoft.com/office/drawing/2010/main" w="9525">
+              <a14:hiddenLine xmlns:a14="http://schemas.microsoft.com/office/drawing/2010/main" xmlns="" w="9525">
                 <a:solidFill>
                   <a:srgbClr val="000000"/>
                 </a:solidFill>
@@ -2909,7 +2909,7 @@
           <a:ln/>
           <a:extLst>
             <a:ext uri="{91240B29-F687-4f45-9708-019B960494DF}">
-              <a14:hiddenLine xmlns="" xmlns:a14="http://schemas.microsoft.com/office/drawing/2010/main" w="9525">
+              <a14:hiddenLine xmlns:a14="http://schemas.microsoft.com/office/drawing/2010/main" xmlns="" w="9525">
                 <a:solidFill>
                   <a:srgbClr val="000000"/>
                 </a:solidFill>
@@ -3245,7 +3245,7 @@
           <a:ln/>
           <a:extLst>
             <a:ext uri="{91240B29-F687-4f45-9708-019B960494DF}">
-              <a14:hiddenLine xmlns="" xmlns:a14="http://schemas.microsoft.com/office/drawing/2010/main" w="9525">
+              <a14:hiddenLine xmlns:a14="http://schemas.microsoft.com/office/drawing/2010/main" xmlns="" w="9525">
                 <a:solidFill>
                   <a:srgbClr val="000000"/>
                 </a:solidFill>
@@ -3719,7 +3719,7 @@
           <a:ln/>
           <a:extLst>
             <a:ext uri="{91240B29-F687-4f45-9708-019B960494DF}">
-              <a14:hiddenLine xmlns="" xmlns:a14="http://schemas.microsoft.com/office/drawing/2010/main" w="9525">
+              <a14:hiddenLine xmlns:a14="http://schemas.microsoft.com/office/drawing/2010/main" xmlns="" w="9525">
                 <a:solidFill>
                   <a:srgbClr val="000000"/>
                 </a:solidFill>
@@ -4142,7 +4142,7 @@
           <a:ln/>
           <a:extLst>
             <a:ext uri="{91240B29-F687-4f45-9708-019B960494DF}">
-              <a14:hiddenLine xmlns="" xmlns:a14="http://schemas.microsoft.com/office/drawing/2010/main" w="9525">
+              <a14:hiddenLine xmlns:a14="http://schemas.microsoft.com/office/drawing/2010/main" xmlns="" w="9525">
                 <a:solidFill>
                   <a:srgbClr val="000000"/>
                 </a:solidFill>
@@ -5493,12 +5493,20 @@
               <a:buChar char="•"/>
             </a:pPr>
             <a:r>
+              <a:rPr lang="en-US" sz="2400" dirty="0" err="1">
+                <a:latin typeface="Open Sans" panose="020B0606030504020204" pitchFamily="34" charset="0"/>
+                <a:ea typeface="Open Sans" panose="020B0606030504020204" pitchFamily="34" charset="0"/>
+                <a:cs typeface="Open Sans" panose="020B0606030504020204" pitchFamily="34" charset="0"/>
+              </a:rPr>
+              <a:t>Shrutheesh</a:t>
+            </a:r>
+            <a:r>
               <a:rPr lang="en-US" sz="2400" dirty="0">
                 <a:latin typeface="Open Sans" panose="020B0606030504020204" pitchFamily="34" charset="0"/>
                 <a:ea typeface="Open Sans" panose="020B0606030504020204" pitchFamily="34" charset="0"/>
                 <a:cs typeface="Open Sans" panose="020B0606030504020204" pitchFamily="34" charset="0"/>
               </a:rPr>
-              <a:t>Abhilash R </a:t>
+              <a:t> R </a:t>
             </a:r>
             <a:r>
               <a:rPr lang="en-US" sz="2400" dirty="0" err="1">
@@ -5506,13 +5514,27 @@
                 <a:ea typeface="Open Sans" panose="020B0606030504020204" pitchFamily="34" charset="0"/>
                 <a:cs typeface="Open Sans" panose="020B0606030504020204" pitchFamily="34" charset="0"/>
               </a:rPr>
-              <a:t>Namboodiri</a:t>
+              <a:t>Iyer</a:t>
             </a:r>
             <a:endParaRPr lang="en-US" sz="2400" dirty="0">
               <a:latin typeface="Open Sans" panose="020B0606030504020204" pitchFamily="34" charset="0"/>
               <a:ea typeface="Open Sans" panose="020B0606030504020204" pitchFamily="34" charset="0"/>
               <a:cs typeface="Open Sans" panose="020B0606030504020204" pitchFamily="34" charset="0"/>
             </a:endParaRPr>
+          </a:p>
+          <a:p>
+            <a:pPr marL="285750" indent="-285750" algn="r">
+              <a:buFont typeface="Arial" panose="020B0604020202020204" pitchFamily="34" charset="0"/>
+              <a:buChar char="•"/>
+            </a:pPr>
+            <a:r>
+              <a:rPr lang="en-US" sz="2400" dirty="0">
+                <a:latin typeface="Open Sans" panose="020B0606030504020204" pitchFamily="34" charset="0"/>
+                <a:ea typeface="Open Sans" panose="020B0606030504020204" pitchFamily="34" charset="0"/>
+                <a:cs typeface="Open Sans" panose="020B0606030504020204" pitchFamily="34" charset="0"/>
+              </a:rPr>
+              <a:t>Abhilash R Namboodiri</a:t>
+            </a:r>
           </a:p>
           <a:p>
             <a:pPr marL="285750" indent="-285750" algn="r">
@@ -5534,33 +5556,6 @@
                 <a:cs typeface="Open Sans" panose="020B0606030504020204" pitchFamily="34" charset="0"/>
               </a:rPr>
               <a:t>Koundinya</a:t>
-            </a:r>
-            <a:endParaRPr lang="en-US" sz="2400" dirty="0">
-              <a:latin typeface="Open Sans" panose="020B0606030504020204" pitchFamily="34" charset="0"/>
-              <a:ea typeface="Open Sans" panose="020B0606030504020204" pitchFamily="34" charset="0"/>
-              <a:cs typeface="Open Sans" panose="020B0606030504020204" pitchFamily="34" charset="0"/>
-            </a:endParaRPr>
-          </a:p>
-          <a:p>
-            <a:pPr marL="285750" indent="-285750" algn="r">
-              <a:buFont typeface="Arial" panose="020B0604020202020204" pitchFamily="34" charset="0"/>
-              <a:buChar char="•"/>
-            </a:pPr>
-            <a:r>
-              <a:rPr lang="en-US" sz="2400" dirty="0">
-                <a:latin typeface="Open Sans" panose="020B0606030504020204" pitchFamily="34" charset="0"/>
-                <a:ea typeface="Open Sans" panose="020B0606030504020204" pitchFamily="34" charset="0"/>
-                <a:cs typeface="Open Sans" panose="020B0606030504020204" pitchFamily="34" charset="0"/>
-              </a:rPr>
-              <a:t>Shrutheesh Raman </a:t>
-            </a:r>
-            <a:r>
-              <a:rPr lang="en-US" sz="2400" dirty="0" err="1">
-                <a:latin typeface="Open Sans" panose="020B0606030504020204" pitchFamily="34" charset="0"/>
-                <a:ea typeface="Open Sans" panose="020B0606030504020204" pitchFamily="34" charset="0"/>
-                <a:cs typeface="Open Sans" panose="020B0606030504020204" pitchFamily="34" charset="0"/>
-              </a:rPr>
-              <a:t>Iyer</a:t>
             </a:r>
             <a:endParaRPr lang="en-US" sz="2400" dirty="0">
               <a:latin typeface="Open Sans" panose="020B0606030504020204" pitchFamily="34" charset="0"/>
@@ -5667,23 +5662,7 @@
                 <a:ea typeface="Open Sans" panose="020B0606030504020204" pitchFamily="34" charset="0"/>
                 <a:cs typeface="Open Sans" panose="020B0606030504020204" pitchFamily="34" charset="0"/>
               </a:rPr>
-              <a:t>Develop a movie </a:t>
-            </a:r>
-            <a:r>
-              <a:rPr lang="en-US" dirty="0" err="1">
-                <a:latin typeface="Open Sans" panose="020B0606030504020204" pitchFamily="34" charset="0"/>
-                <a:ea typeface="Open Sans" panose="020B0606030504020204" pitchFamily="34" charset="0"/>
-                <a:cs typeface="Open Sans" panose="020B0606030504020204" pitchFamily="34" charset="0"/>
-              </a:rPr>
-              <a:t>analyser</a:t>
-            </a:r>
-            <a:r>
-              <a:rPr lang="en-US" dirty="0">
-                <a:latin typeface="Open Sans" panose="020B0606030504020204" pitchFamily="34" charset="0"/>
-                <a:ea typeface="Open Sans" panose="020B0606030504020204" pitchFamily="34" charset="0"/>
-                <a:cs typeface="Open Sans" panose="020B0606030504020204" pitchFamily="34" charset="0"/>
-              </a:rPr>
-              <a:t> system that attempts to understand a movie and predict similar movies that is coupled with a recommendation system.</a:t>
+              <a:t>Develop a movie analyzer system that attempts to understand a movie and predict similar movies that is coupled with a recommendation system.</a:t>
             </a:r>
             <a:endParaRPr lang="en-IN" dirty="0">
               <a:latin typeface="Open Sans" panose="020B0606030504020204" pitchFamily="34" charset="0"/>
@@ -7696,54 +7675,49 @@
           <a:lstStyle/>
           <a:p>
             <a:r>
-              <a:rPr lang="en-US" dirty="0">
-                <a:latin typeface="Open Sans" panose="020B0606030504020204" pitchFamily="34" charset="0"/>
-                <a:ea typeface="Open Sans" panose="020B0606030504020204" pitchFamily="34" charset="0"/>
-                <a:cs typeface="Open Sans" panose="020B0606030504020204" pitchFamily="34" charset="0"/>
-              </a:rPr>
-              <a:t>Vijay K – Worked on Modules Concept Analyzer and Artist Analyzer. Co-implemented UI/UX</a:t>
-            </a:r>
-          </a:p>
-          <a:p>
-            <a:r>
-              <a:rPr lang="en-US" dirty="0">
-                <a:latin typeface="Open Sans" panose="020B0606030504020204" pitchFamily="34" charset="0"/>
-                <a:ea typeface="Open Sans" panose="020B0606030504020204" pitchFamily="34" charset="0"/>
-                <a:cs typeface="Open Sans" panose="020B0606030504020204" pitchFamily="34" charset="0"/>
-              </a:rPr>
-              <a:t>Abhilash R N – Designed User Interface. Co-implemented UI/UX.</a:t>
-            </a:r>
-          </a:p>
-          <a:p>
-            <a:r>
-              <a:rPr lang="en-US" dirty="0">
-                <a:latin typeface="Open Sans" panose="020B0606030504020204" pitchFamily="34" charset="0"/>
-                <a:ea typeface="Open Sans" panose="020B0606030504020204" pitchFamily="34" charset="0"/>
-                <a:cs typeface="Open Sans" panose="020B0606030504020204" pitchFamily="34" charset="0"/>
-              </a:rPr>
-              <a:t>Shrutheesh R </a:t>
-            </a:r>
-            <a:r>
-              <a:rPr lang="en-US" dirty="0" err="1">
-                <a:latin typeface="Open Sans" panose="020B0606030504020204" pitchFamily="34" charset="0"/>
-                <a:ea typeface="Open Sans" panose="020B0606030504020204" pitchFamily="34" charset="0"/>
-                <a:cs typeface="Open Sans" panose="020B0606030504020204" pitchFamily="34" charset="0"/>
-              </a:rPr>
+              <a:rPr lang="en-IN" dirty="0" err="1"/>
+              <a:t>Shrutheesh</a:t>
+            </a:r>
+            <a:r>
+              <a:rPr lang="en-IN" dirty="0"/>
+              <a:t> Raman </a:t>
+            </a:r>
+            <a:r>
+              <a:rPr lang="en-IN" dirty="0" err="1"/>
               <a:t>Iyer</a:t>
             </a:r>
             <a:r>
-              <a:rPr lang="en-US" dirty="0">
-                <a:latin typeface="Open Sans" panose="020B0606030504020204" pitchFamily="34" charset="0"/>
-                <a:ea typeface="Open Sans" panose="020B0606030504020204" pitchFamily="34" charset="0"/>
-                <a:cs typeface="Open Sans" panose="020B0606030504020204" pitchFamily="34" charset="0"/>
-              </a:rPr>
-              <a:t> – Worked on Modules Character Similarity and Emotion Analyzer and compiled all functional modules.  </a:t>
-            </a:r>
-            <a:endParaRPr lang="en-IN" dirty="0">
-              <a:latin typeface="Open Sans" panose="020B0606030504020204" pitchFamily="34" charset="0"/>
-              <a:ea typeface="Open Sans" panose="020B0606030504020204" pitchFamily="34" charset="0"/>
-              <a:cs typeface="Open Sans" panose="020B0606030504020204" pitchFamily="34" charset="0"/>
-            </a:endParaRPr>
+              <a:rPr lang="en-IN" dirty="0"/>
+              <a:t> : Developed Concept Analyser.</a:t>
+            </a:r>
+          </a:p>
+          <a:p>
+            <a:r>
+              <a:rPr lang="en-IN" dirty="0"/>
+              <a:t>Vijay </a:t>
+            </a:r>
+            <a:r>
+              <a:rPr lang="en-IN" dirty="0" err="1"/>
+              <a:t>Koundinya</a:t>
+            </a:r>
+            <a:r>
+              <a:rPr lang="en-IN" dirty="0"/>
+              <a:t>: Developed Wiki </a:t>
+            </a:r>
+            <a:r>
+              <a:rPr lang="en-IN" dirty="0" err="1"/>
+              <a:t>Api</a:t>
+            </a:r>
+            <a:r>
+              <a:rPr lang="en-IN" dirty="0"/>
+              <a:t> based Artist Analyser.</a:t>
+            </a:r>
+          </a:p>
+          <a:p>
+            <a:r>
+              <a:rPr lang="en-IN" dirty="0"/>
+              <a:t>Abhilash R Namboodiri: Developed Emotion Analyser.</a:t>
+            </a:r>
           </a:p>
         </p:txBody>
       </p:sp>
@@ -7814,32 +7788,488 @@
           </a:p>
         </p:txBody>
       </p:sp>
-      <p:sp>
-        <p:nvSpPr>
-          <p:cNvPr id="3" name="Content Placeholder 2">
+      <p:pic>
+        <p:nvPicPr>
+          <p:cNvPr id="10" name="Content Placeholder 9">
             <a:extLst>
               <a:ext uri="{FF2B5EF4-FFF2-40B4-BE49-F238E27FC236}">
-                <a16:creationId xmlns:a16="http://schemas.microsoft.com/office/drawing/2014/main" id="{5C7E4417-BCD5-4FD3-8E51-E45EC4887DD7}"/>
+                <a16:creationId xmlns:a16="http://schemas.microsoft.com/office/drawing/2014/main" id="{2C286D88-6E58-4532-A9CF-973A76FAB2CE}"/>
               </a:ext>
             </a:extLst>
           </p:cNvPr>
-          <p:cNvSpPr>
-            <a:spLocks noGrp="1"/>
-          </p:cNvSpPr>
+          <p:cNvPicPr>
+            <a:picLocks noGrp="1" noChangeAspect="1"/>
+          </p:cNvPicPr>
           <p:nvPr>
             <p:ph idx="1"/>
           </p:nvPr>
-        </p:nvSpPr>
-        <p:spPr/>
-        <p:txBody>
-          <a:bodyPr/>
+        </p:nvPicPr>
+        <p:blipFill>
+          <a:blip r:embed="rId2"/>
+          <a:stretch>
+            <a:fillRect/>
+          </a:stretch>
+        </p:blipFill>
+        <p:spPr>
+          <a:xfrm>
+            <a:off x="8860073" y="2455340"/>
+            <a:ext cx="2911790" cy="2911790"/>
+          </a:xfrm>
+        </p:spPr>
+      </p:pic>
+      <p:cxnSp>
+        <p:nvCxnSpPr>
+          <p:cNvPr id="11" name="Straight Arrow Connector 10">
+            <a:extLst>
+              <a:ext uri="{FF2B5EF4-FFF2-40B4-BE49-F238E27FC236}">
+                <a16:creationId xmlns:a16="http://schemas.microsoft.com/office/drawing/2014/main" id="{AFB6AE17-C043-4BFF-A841-D7F43848ED54}"/>
+              </a:ext>
+            </a:extLst>
+          </p:cNvPr>
+          <p:cNvCxnSpPr>
+            <a:cxnSpLocks/>
+          </p:cNvCxnSpPr>
+          <p:nvPr/>
+        </p:nvCxnSpPr>
+        <p:spPr>
+          <a:xfrm flipH="1">
+            <a:off x="8493366" y="906190"/>
+            <a:ext cx="2" cy="570922"/>
+          </a:xfrm>
+          <a:prstGeom prst="straightConnector1">
+            <a:avLst/>
+          </a:prstGeom>
+          <a:ln>
+            <a:tailEnd type="triangle"/>
+          </a:ln>
+        </p:spPr>
+        <p:style>
+          <a:lnRef idx="1">
+            <a:schemeClr val="accent1"/>
+          </a:lnRef>
+          <a:fillRef idx="0">
+            <a:schemeClr val="accent1"/>
+          </a:fillRef>
+          <a:effectRef idx="0">
+            <a:schemeClr val="accent1"/>
+          </a:effectRef>
+          <a:fontRef idx="minor">
+            <a:schemeClr val="tx1"/>
+          </a:fontRef>
+        </p:style>
+      </p:cxnSp>
+      <p:sp>
+        <p:nvSpPr>
+          <p:cNvPr id="12" name="Rectangle: Rounded Corners 11">
+            <a:extLst>
+              <a:ext uri="{FF2B5EF4-FFF2-40B4-BE49-F238E27FC236}">
+                <a16:creationId xmlns:a16="http://schemas.microsoft.com/office/drawing/2014/main" id="{9757A516-1C3F-486C-A39E-F36A2D5FA9A2}"/>
+              </a:ext>
+            </a:extLst>
+          </p:cNvPr>
+          <p:cNvSpPr/>
+          <p:nvPr/>
+        </p:nvSpPr>
+        <p:spPr>
+          <a:xfrm>
+            <a:off x="493870" y="2261200"/>
+            <a:ext cx="2381852" cy="826557"/>
+          </a:xfrm>
+          <a:prstGeom prst="roundRect">
+            <a:avLst/>
+          </a:prstGeom>
+        </p:spPr>
+        <p:style>
+          <a:lnRef idx="2">
+            <a:schemeClr val="accent1">
+              <a:shade val="50000"/>
+            </a:schemeClr>
+          </a:lnRef>
+          <a:fillRef idx="1">
+            <a:schemeClr val="accent1"/>
+          </a:fillRef>
+          <a:effectRef idx="0">
+            <a:schemeClr val="accent1"/>
+          </a:effectRef>
+          <a:fontRef idx="minor">
+            <a:schemeClr val="lt1"/>
+          </a:fontRef>
+        </p:style>
+        <p:txBody>
+          <a:bodyPr rtlCol="0" anchor="ctr"/>
           <a:lstStyle/>
           <a:p>
+            <a:pPr algn="ctr"/>
+            <a:r>
+              <a:rPr lang="en-IN" dirty="0"/>
+              <a:t>Alphabet </a:t>
+            </a:r>
+            <a:r>
+              <a:rPr lang="en-IN" dirty="0" err="1"/>
+              <a:t>Listview</a:t>
+            </a:r>
+            <a:endParaRPr lang="en-IN" dirty="0"/>
+          </a:p>
+        </p:txBody>
+      </p:sp>
+      <p:sp>
+        <p:nvSpPr>
+          <p:cNvPr id="14" name="Rectangle: Rounded Corners 13">
+            <a:extLst>
+              <a:ext uri="{FF2B5EF4-FFF2-40B4-BE49-F238E27FC236}">
+                <a16:creationId xmlns:a16="http://schemas.microsoft.com/office/drawing/2014/main" id="{7C41D4A1-6146-41C0-924F-CD5445A10F8B}"/>
+              </a:ext>
+            </a:extLst>
+          </p:cNvPr>
+          <p:cNvSpPr/>
+          <p:nvPr/>
+        </p:nvSpPr>
+        <p:spPr>
+          <a:xfrm>
+            <a:off x="3180524" y="2261199"/>
+            <a:ext cx="2381852" cy="826557"/>
+          </a:xfrm>
+          <a:prstGeom prst="roundRect">
+            <a:avLst/>
+          </a:prstGeom>
+        </p:spPr>
+        <p:style>
+          <a:lnRef idx="2">
+            <a:schemeClr val="accent1">
+              <a:shade val="50000"/>
+            </a:schemeClr>
+          </a:lnRef>
+          <a:fillRef idx="1">
+            <a:schemeClr val="accent1"/>
+          </a:fillRef>
+          <a:effectRef idx="0">
+            <a:schemeClr val="accent1"/>
+          </a:effectRef>
+          <a:fontRef idx="minor">
+            <a:schemeClr val="lt1"/>
+          </a:fontRef>
+        </p:style>
+        <p:txBody>
+          <a:bodyPr rtlCol="0" anchor="ctr"/>
+          <a:lstStyle/>
+          <a:p>
+            <a:pPr algn="ctr"/>
+            <a:r>
+              <a:rPr lang="en-IN" dirty="0"/>
+              <a:t>Movies </a:t>
+            </a:r>
+            <a:r>
+              <a:rPr lang="en-IN" dirty="0" err="1"/>
+              <a:t>Listview</a:t>
+            </a:r>
+            <a:endParaRPr lang="en-IN" dirty="0"/>
+          </a:p>
+        </p:txBody>
+      </p:sp>
+      <p:cxnSp>
+        <p:nvCxnSpPr>
+          <p:cNvPr id="18" name="Straight Arrow Connector 17">
+            <a:extLst>
+              <a:ext uri="{FF2B5EF4-FFF2-40B4-BE49-F238E27FC236}">
+                <a16:creationId xmlns:a16="http://schemas.microsoft.com/office/drawing/2014/main" id="{BABCEC8A-BE58-4611-B996-0B7C3577C991}"/>
+              </a:ext>
+            </a:extLst>
+          </p:cNvPr>
+          <p:cNvCxnSpPr>
+            <a:cxnSpLocks/>
+            <a:stCxn id="12" idx="3"/>
+            <a:endCxn id="14" idx="1"/>
+          </p:cNvCxnSpPr>
+          <p:nvPr/>
+        </p:nvCxnSpPr>
+        <p:spPr>
+          <a:xfrm flipV="1">
+            <a:off x="2875722" y="2674478"/>
+            <a:ext cx="304802" cy="1"/>
+          </a:xfrm>
+          <a:prstGeom prst="straightConnector1">
+            <a:avLst/>
+          </a:prstGeom>
+          <a:ln>
+            <a:tailEnd type="triangle"/>
+          </a:ln>
+        </p:spPr>
+        <p:style>
+          <a:lnRef idx="1">
+            <a:schemeClr val="accent1"/>
+          </a:lnRef>
+          <a:fillRef idx="0">
+            <a:schemeClr val="accent1"/>
+          </a:fillRef>
+          <a:effectRef idx="0">
+            <a:schemeClr val="accent1"/>
+          </a:effectRef>
+          <a:fontRef idx="minor">
+            <a:schemeClr val="tx1"/>
+          </a:fontRef>
+        </p:style>
+      </p:cxnSp>
+      <p:sp>
+        <p:nvSpPr>
+          <p:cNvPr id="25" name="Rectangle: Rounded Corners 24">
+            <a:extLst>
+              <a:ext uri="{FF2B5EF4-FFF2-40B4-BE49-F238E27FC236}">
+                <a16:creationId xmlns:a16="http://schemas.microsoft.com/office/drawing/2014/main" id="{0606899D-FB05-4F7F-8130-092C7F940116}"/>
+              </a:ext>
+            </a:extLst>
+          </p:cNvPr>
+          <p:cNvSpPr/>
+          <p:nvPr/>
+        </p:nvSpPr>
+        <p:spPr>
+          <a:xfrm>
+            <a:off x="6020298" y="2269528"/>
+            <a:ext cx="2381852" cy="826557"/>
+          </a:xfrm>
+          <a:prstGeom prst="roundRect">
+            <a:avLst/>
+          </a:prstGeom>
+        </p:spPr>
+        <p:style>
+          <a:lnRef idx="2">
+            <a:schemeClr val="accent1">
+              <a:shade val="50000"/>
+            </a:schemeClr>
+          </a:lnRef>
+          <a:fillRef idx="1">
+            <a:schemeClr val="accent1"/>
+          </a:fillRef>
+          <a:effectRef idx="0">
+            <a:schemeClr val="accent1"/>
+          </a:effectRef>
+          <a:fontRef idx="minor">
+            <a:schemeClr val="lt1"/>
+          </a:fontRef>
+        </p:style>
+        <p:txBody>
+          <a:bodyPr rtlCol="0" anchor="ctr"/>
+          <a:lstStyle/>
+          <a:p>
+            <a:pPr algn="ctr"/>
+            <a:r>
+              <a:rPr lang="en-IN" dirty="0"/>
+              <a:t>Movie Information</a:t>
+            </a:r>
+          </a:p>
+        </p:txBody>
+      </p:sp>
+      <p:cxnSp>
+        <p:nvCxnSpPr>
+          <p:cNvPr id="28" name="Straight Arrow Connector 27">
+            <a:extLst>
+              <a:ext uri="{FF2B5EF4-FFF2-40B4-BE49-F238E27FC236}">
+                <a16:creationId xmlns:a16="http://schemas.microsoft.com/office/drawing/2014/main" id="{FCC0E978-EF31-4F2F-9571-06D59045F5F1}"/>
+              </a:ext>
+            </a:extLst>
+          </p:cNvPr>
+          <p:cNvCxnSpPr>
+            <a:cxnSpLocks/>
+            <a:stCxn id="14" idx="3"/>
+            <a:endCxn id="25" idx="1"/>
+          </p:cNvCxnSpPr>
+          <p:nvPr/>
+        </p:nvCxnSpPr>
+        <p:spPr>
+          <a:xfrm>
+            <a:off x="5562376" y="2674478"/>
+            <a:ext cx="457922" cy="8329"/>
+          </a:xfrm>
+          <a:prstGeom prst="straightConnector1">
+            <a:avLst/>
+          </a:prstGeom>
+          <a:ln>
+            <a:tailEnd type="triangle"/>
+          </a:ln>
+        </p:spPr>
+        <p:style>
+          <a:lnRef idx="1">
+            <a:schemeClr val="accent1"/>
+          </a:lnRef>
+          <a:fillRef idx="0">
+            <a:schemeClr val="accent1"/>
+          </a:fillRef>
+          <a:effectRef idx="0">
+            <a:schemeClr val="accent1"/>
+          </a:effectRef>
+          <a:fontRef idx="minor">
+            <a:schemeClr val="tx1"/>
+          </a:fontRef>
+        </p:style>
+      </p:cxnSp>
+      <p:sp>
+        <p:nvSpPr>
+          <p:cNvPr id="30" name="Rectangle: Rounded Corners 29">
+            <a:extLst>
+              <a:ext uri="{FF2B5EF4-FFF2-40B4-BE49-F238E27FC236}">
+                <a16:creationId xmlns:a16="http://schemas.microsoft.com/office/drawing/2014/main" id="{14C33691-62FA-4739-847E-D5CFB8E23A6A}"/>
+              </a:ext>
+            </a:extLst>
+          </p:cNvPr>
+          <p:cNvSpPr/>
+          <p:nvPr/>
+        </p:nvSpPr>
+        <p:spPr>
+          <a:xfrm>
+            <a:off x="3055287" y="3879573"/>
+            <a:ext cx="2632326" cy="1487557"/>
+          </a:xfrm>
+          <a:prstGeom prst="roundRect">
+            <a:avLst/>
+          </a:prstGeom>
+        </p:spPr>
+        <p:style>
+          <a:lnRef idx="2">
+            <a:schemeClr val="accent1">
+              <a:shade val="50000"/>
+            </a:schemeClr>
+          </a:lnRef>
+          <a:fillRef idx="1">
+            <a:schemeClr val="accent1"/>
+          </a:fillRef>
+          <a:effectRef idx="0">
+            <a:schemeClr val="accent1"/>
+          </a:effectRef>
+          <a:fontRef idx="minor">
+            <a:schemeClr val="lt1"/>
+          </a:fontRef>
+        </p:style>
+        <p:txBody>
+          <a:bodyPr rtlCol="0" anchor="ctr"/>
+          <a:lstStyle/>
+          <a:p>
+            <a:pPr algn="ctr"/>
+            <a:r>
+              <a:rPr lang="en-IN" dirty="0"/>
+              <a:t>Movie Recommendations by each module </a:t>
+            </a:r>
+          </a:p>
+        </p:txBody>
+      </p:sp>
+      <p:cxnSp>
+        <p:nvCxnSpPr>
+          <p:cNvPr id="40" name="Straight Arrow Connector 39">
+            <a:extLst>
+              <a:ext uri="{FF2B5EF4-FFF2-40B4-BE49-F238E27FC236}">
+                <a16:creationId xmlns:a16="http://schemas.microsoft.com/office/drawing/2014/main" id="{7A39A874-2DC4-481E-B550-DBFD3F32408B}"/>
+              </a:ext>
+            </a:extLst>
+          </p:cNvPr>
+          <p:cNvCxnSpPr>
+            <a:cxnSpLocks/>
+            <a:stCxn id="25" idx="2"/>
+          </p:cNvCxnSpPr>
+          <p:nvPr/>
+        </p:nvCxnSpPr>
+        <p:spPr>
+          <a:xfrm>
+            <a:off x="7211224" y="3096085"/>
+            <a:ext cx="0" cy="1527266"/>
+          </a:xfrm>
+          <a:prstGeom prst="straightConnector1">
+            <a:avLst/>
+          </a:prstGeom>
+          <a:ln>
+            <a:tailEnd type="triangle"/>
+          </a:ln>
+        </p:spPr>
+        <p:style>
+          <a:lnRef idx="1">
+            <a:schemeClr val="accent1"/>
+          </a:lnRef>
+          <a:fillRef idx="0">
+            <a:schemeClr val="accent1"/>
+          </a:fillRef>
+          <a:effectRef idx="0">
+            <a:schemeClr val="accent1"/>
+          </a:effectRef>
+          <a:fontRef idx="minor">
+            <a:schemeClr val="tx1"/>
+          </a:fontRef>
+        </p:style>
+      </p:cxnSp>
+      <p:cxnSp>
+        <p:nvCxnSpPr>
+          <p:cNvPr id="44" name="Straight Arrow Connector 43">
+            <a:extLst>
+              <a:ext uri="{FF2B5EF4-FFF2-40B4-BE49-F238E27FC236}">
+                <a16:creationId xmlns:a16="http://schemas.microsoft.com/office/drawing/2014/main" id="{C638B42E-4C5F-49AB-A1E8-1BF068A82ADC}"/>
+              </a:ext>
+            </a:extLst>
+          </p:cNvPr>
+          <p:cNvCxnSpPr>
+            <a:cxnSpLocks/>
+            <a:endCxn id="30" idx="3"/>
+          </p:cNvCxnSpPr>
+          <p:nvPr/>
+        </p:nvCxnSpPr>
+        <p:spPr>
+          <a:xfrm flipH="1">
+            <a:off x="5687613" y="4623351"/>
+            <a:ext cx="1523612" cy="1"/>
+          </a:xfrm>
+          <a:prstGeom prst="straightConnector1">
+            <a:avLst/>
+          </a:prstGeom>
+          <a:ln>
+            <a:tailEnd type="triangle"/>
+          </a:ln>
+        </p:spPr>
+        <p:style>
+          <a:lnRef idx="1">
+            <a:schemeClr val="accent1"/>
+          </a:lnRef>
+          <a:fillRef idx="0">
+            <a:schemeClr val="accent1"/>
+          </a:fillRef>
+          <a:effectRef idx="0">
+            <a:schemeClr val="accent1"/>
+          </a:effectRef>
+          <a:fontRef idx="minor">
+            <a:schemeClr val="tx1"/>
+          </a:fontRef>
+        </p:style>
+      </p:cxnSp>
+      <p:sp>
+        <p:nvSpPr>
+          <p:cNvPr id="47" name="TextBox 46">
+            <a:extLst>
+              <a:ext uri="{FF2B5EF4-FFF2-40B4-BE49-F238E27FC236}">
+                <a16:creationId xmlns:a16="http://schemas.microsoft.com/office/drawing/2014/main" id="{E5D37C3B-C926-407B-845D-26877DA19694}"/>
+              </a:ext>
+            </a:extLst>
+          </p:cNvPr>
+          <p:cNvSpPr txBox="1"/>
+          <p:nvPr/>
+        </p:nvSpPr>
+        <p:spPr>
+          <a:xfrm>
+            <a:off x="8189844" y="5582478"/>
+            <a:ext cx="3817071" cy="369332"/>
+          </a:xfrm>
+          <a:prstGeom prst="rect">
+            <a:avLst/>
+          </a:prstGeom>
+          <a:noFill/>
+        </p:spPr>
+        <p:txBody>
+          <a:bodyPr wrap="none" rtlCol="0">
+            <a:spAutoFit/>
+          </a:bodyPr>
+          <a:lstStyle/>
+          <a:p>
+            <a:r>
+              <a:rPr lang="en-US" dirty="0" err="1"/>
+              <a:t>Kivy</a:t>
+            </a:r>
             <a:r>
               <a:rPr lang="en-US" dirty="0"/>
-              <a:t>K</a:t>
-            </a:r>
-            <a:endParaRPr lang="en-IN" dirty="0"/>
+              <a:t>: Python based GUI Platform</a:t>
+            </a:r>
           </a:p>
         </p:txBody>
       </p:sp>
@@ -7910,31 +8340,128 @@
           </a:p>
         </p:txBody>
       </p:sp>
-      <p:sp>
-        <p:nvSpPr>
-          <p:cNvPr id="3" name="Content Placeholder 2">
+      <p:pic>
+        <p:nvPicPr>
+          <p:cNvPr id="4" name="Content Placeholder 3">
             <a:extLst>
               <a:ext uri="{FF2B5EF4-FFF2-40B4-BE49-F238E27FC236}">
-                <a16:creationId xmlns:a16="http://schemas.microsoft.com/office/drawing/2014/main" id="{EE98CC78-A1E3-488D-9DBB-92CCEB6C6E4D}"/>
+                <a16:creationId xmlns:a16="http://schemas.microsoft.com/office/drawing/2014/main" id="{CF5F6FB0-2C59-4F81-98B5-FC31B465E10B}"/>
               </a:ext>
             </a:extLst>
           </p:cNvPr>
-          <p:cNvSpPr>
-            <a:spLocks noGrp="1"/>
-          </p:cNvSpPr>
+          <p:cNvPicPr>
+            <a:picLocks noGrp="1" noChangeAspect="1"/>
+          </p:cNvPicPr>
           <p:nvPr>
             <p:ph idx="1"/>
           </p:nvPr>
-        </p:nvSpPr>
-        <p:spPr/>
-        <p:txBody>
-          <a:bodyPr/>
-          <a:lstStyle/>
-          <a:p>
-            <a:endParaRPr lang="en-IN"/>
-          </a:p>
-        </p:txBody>
-      </p:sp>
+        </p:nvPicPr>
+        <p:blipFill>
+          <a:blip r:embed="rId2"/>
+          <a:stretch>
+            <a:fillRect/>
+          </a:stretch>
+        </p:blipFill>
+        <p:spPr>
+          <a:xfrm>
+            <a:off x="1364455" y="1904448"/>
+            <a:ext cx="9463087" cy="4953552"/>
+          </a:xfrm>
+          <a:prstGeom prst="rect">
+            <a:avLst/>
+          </a:prstGeom>
+        </p:spPr>
+      </p:pic>
+      <p:pic>
+        <p:nvPicPr>
+          <p:cNvPr id="5" name="Picture 4">
+            <a:extLst>
+              <a:ext uri="{FF2B5EF4-FFF2-40B4-BE49-F238E27FC236}">
+                <a16:creationId xmlns:a16="http://schemas.microsoft.com/office/drawing/2014/main" id="{3CEA0E73-968A-4E96-9927-241507C4ED00}"/>
+              </a:ext>
+            </a:extLst>
+          </p:cNvPr>
+          <p:cNvPicPr>
+            <a:picLocks noChangeAspect="1"/>
+          </p:cNvPicPr>
+          <p:nvPr/>
+        </p:nvPicPr>
+        <p:blipFill>
+          <a:blip r:embed="rId3"/>
+          <a:stretch>
+            <a:fillRect/>
+          </a:stretch>
+        </p:blipFill>
+        <p:spPr>
+          <a:xfrm>
+            <a:off x="1364453" y="1904448"/>
+            <a:ext cx="9463087" cy="4953552"/>
+          </a:xfrm>
+          <a:prstGeom prst="rect">
+            <a:avLst/>
+          </a:prstGeom>
+        </p:spPr>
+      </p:pic>
+      <p:pic>
+        <p:nvPicPr>
+          <p:cNvPr id="6" name="Picture 5">
+            <a:extLst>
+              <a:ext uri="{FF2B5EF4-FFF2-40B4-BE49-F238E27FC236}">
+                <a16:creationId xmlns:a16="http://schemas.microsoft.com/office/drawing/2014/main" id="{4B95FCDF-8C49-44A4-A8CA-1C1D934D64CB}"/>
+              </a:ext>
+            </a:extLst>
+          </p:cNvPr>
+          <p:cNvPicPr>
+            <a:picLocks noChangeAspect="1"/>
+          </p:cNvPicPr>
+          <p:nvPr/>
+        </p:nvPicPr>
+        <p:blipFill>
+          <a:blip r:embed="rId4"/>
+          <a:stretch>
+            <a:fillRect/>
+          </a:stretch>
+        </p:blipFill>
+        <p:spPr>
+          <a:xfrm>
+            <a:off x="1364451" y="1904448"/>
+            <a:ext cx="9356035" cy="4825384"/>
+          </a:xfrm>
+          <a:prstGeom prst="rect">
+            <a:avLst/>
+          </a:prstGeom>
+        </p:spPr>
+      </p:pic>
+      <p:pic>
+        <p:nvPicPr>
+          <p:cNvPr id="7" name="Picture 6">
+            <a:extLst>
+              <a:ext uri="{FF2B5EF4-FFF2-40B4-BE49-F238E27FC236}">
+                <a16:creationId xmlns:a16="http://schemas.microsoft.com/office/drawing/2014/main" id="{683AEEF5-432D-40BC-9E13-4C516AF76A85}"/>
+              </a:ext>
+            </a:extLst>
+          </p:cNvPr>
+          <p:cNvPicPr>
+            <a:picLocks noChangeAspect="1"/>
+          </p:cNvPicPr>
+          <p:nvPr/>
+        </p:nvPicPr>
+        <p:blipFill>
+          <a:blip r:embed="rId5"/>
+          <a:stretch>
+            <a:fillRect/>
+          </a:stretch>
+        </p:blipFill>
+        <p:spPr>
+          <a:xfrm>
+            <a:off x="1364449" y="1904448"/>
+            <a:ext cx="9463086" cy="4980073"/>
+          </a:xfrm>
+          <a:prstGeom prst="rect">
+            <a:avLst/>
+          </a:prstGeom>
+        </p:spPr>
+      </p:pic>
     </p:spTree>
     <p:extLst>
       <p:ext uri="{BB962C8B-B14F-4D97-AF65-F5344CB8AC3E}">
@@ -7945,6 +8472,248 @@
   <p:clrMapOvr>
     <a:masterClrMapping/>
   </p:clrMapOvr>
+  <p:timing>
+    <p:tnLst>
+      <p:par>
+        <p:cTn id="1" dur="indefinite" restart="never" nodeType="tmRoot">
+          <p:childTnLst>
+            <p:seq concurrent="1" nextAc="seek">
+              <p:cTn id="2" dur="indefinite" nodeType="mainSeq">
+                <p:childTnLst>
+                  <p:par>
+                    <p:cTn id="3" fill="hold">
+                      <p:stCondLst>
+                        <p:cond delay="indefinite"/>
+                      </p:stCondLst>
+                      <p:childTnLst>
+                        <p:par>
+                          <p:cTn id="4" fill="hold">
+                            <p:stCondLst>
+                              <p:cond delay="0"/>
+                            </p:stCondLst>
+                            <p:childTnLst>
+                              <p:par>
+                                <p:cTn id="5" presetID="10" presetClass="entr" presetSubtype="0" fill="hold" nodeType="clickEffect">
+                                  <p:stCondLst>
+                                    <p:cond delay="0"/>
+                                  </p:stCondLst>
+                                  <p:childTnLst>
+                                    <p:set>
+                                      <p:cBhvr>
+                                        <p:cTn id="6" dur="1" fill="hold">
+                                          <p:stCondLst>
+                                            <p:cond delay="0"/>
+                                          </p:stCondLst>
+                                        </p:cTn>
+                                        <p:tgtEl>
+                                          <p:spTgt spid="4"/>
+                                        </p:tgtEl>
+                                        <p:attrNameLst>
+                                          <p:attrName>style.visibility</p:attrName>
+                                        </p:attrNameLst>
+                                      </p:cBhvr>
+                                      <p:to>
+                                        <p:strVal val="visible"/>
+                                      </p:to>
+                                    </p:set>
+                                    <p:animEffect transition="in" filter="fade">
+                                      <p:cBhvr>
+                                        <p:cTn id="7" dur="500"/>
+                                        <p:tgtEl>
+                                          <p:spTgt spid="4"/>
+                                        </p:tgtEl>
+                                      </p:cBhvr>
+                                    </p:animEffect>
+                                  </p:childTnLst>
+                                </p:cTn>
+                              </p:par>
+                            </p:childTnLst>
+                          </p:cTn>
+                        </p:par>
+                      </p:childTnLst>
+                    </p:cTn>
+                  </p:par>
+                  <p:par>
+                    <p:cTn id="8" fill="hold">
+                      <p:stCondLst>
+                        <p:cond delay="indefinite"/>
+                      </p:stCondLst>
+                      <p:childTnLst>
+                        <p:par>
+                          <p:cTn id="9" fill="hold">
+                            <p:stCondLst>
+                              <p:cond delay="0"/>
+                            </p:stCondLst>
+                            <p:childTnLst>
+                              <p:par>
+                                <p:cTn id="10" presetID="10" presetClass="entr" presetSubtype="0" fill="hold" nodeType="clickEffect">
+                                  <p:stCondLst>
+                                    <p:cond delay="0"/>
+                                  </p:stCondLst>
+                                  <p:childTnLst>
+                                    <p:set>
+                                      <p:cBhvr>
+                                        <p:cTn id="11" dur="1" fill="hold">
+                                          <p:stCondLst>
+                                            <p:cond delay="0"/>
+                                          </p:stCondLst>
+                                        </p:cTn>
+                                        <p:tgtEl>
+                                          <p:spTgt spid="5"/>
+                                        </p:tgtEl>
+                                        <p:attrNameLst>
+                                          <p:attrName>style.visibility</p:attrName>
+                                        </p:attrNameLst>
+                                      </p:cBhvr>
+                                      <p:to>
+                                        <p:strVal val="visible"/>
+                                      </p:to>
+                                    </p:set>
+                                    <p:animEffect transition="in" filter="fade">
+                                      <p:cBhvr>
+                                        <p:cTn id="12" dur="500"/>
+                                        <p:tgtEl>
+                                          <p:spTgt spid="5"/>
+                                        </p:tgtEl>
+                                      </p:cBhvr>
+                                    </p:animEffect>
+                                  </p:childTnLst>
+                                </p:cTn>
+                              </p:par>
+                            </p:childTnLst>
+                          </p:cTn>
+                        </p:par>
+                      </p:childTnLst>
+                    </p:cTn>
+                  </p:par>
+                  <p:par>
+                    <p:cTn id="13" fill="hold">
+                      <p:stCondLst>
+                        <p:cond delay="indefinite"/>
+                      </p:stCondLst>
+                      <p:childTnLst>
+                        <p:par>
+                          <p:cTn id="14" fill="hold">
+                            <p:stCondLst>
+                              <p:cond delay="0"/>
+                            </p:stCondLst>
+                            <p:childTnLst>
+                              <p:par>
+                                <p:cTn id="15" presetID="10" presetClass="entr" presetSubtype="0" fill="hold" nodeType="clickEffect">
+                                  <p:stCondLst>
+                                    <p:cond delay="0"/>
+                                  </p:stCondLst>
+                                  <p:childTnLst>
+                                    <p:set>
+                                      <p:cBhvr>
+                                        <p:cTn id="16" dur="1" fill="hold">
+                                          <p:stCondLst>
+                                            <p:cond delay="0"/>
+                                          </p:stCondLst>
+                                        </p:cTn>
+                                        <p:tgtEl>
+                                          <p:spTgt spid="6"/>
+                                        </p:tgtEl>
+                                        <p:attrNameLst>
+                                          <p:attrName>style.visibility</p:attrName>
+                                        </p:attrNameLst>
+                                      </p:cBhvr>
+                                      <p:to>
+                                        <p:strVal val="visible"/>
+                                      </p:to>
+                                    </p:set>
+                                    <p:animEffect transition="in" filter="fade">
+                                      <p:cBhvr>
+                                        <p:cTn id="17" dur="500"/>
+                                        <p:tgtEl>
+                                          <p:spTgt spid="6"/>
+                                        </p:tgtEl>
+                                      </p:cBhvr>
+                                    </p:animEffect>
+                                  </p:childTnLst>
+                                </p:cTn>
+                              </p:par>
+                            </p:childTnLst>
+                          </p:cTn>
+                        </p:par>
+                      </p:childTnLst>
+                    </p:cTn>
+                  </p:par>
+                  <p:par>
+                    <p:cTn id="18" fill="hold">
+                      <p:stCondLst>
+                        <p:cond delay="indefinite"/>
+                      </p:stCondLst>
+                      <p:childTnLst>
+                        <p:par>
+                          <p:cTn id="19" fill="hold">
+                            <p:stCondLst>
+                              <p:cond delay="0"/>
+                            </p:stCondLst>
+                            <p:childTnLst>
+                              <p:par>
+                                <p:cTn id="20" presetID="10" presetClass="entr" presetSubtype="0" fill="hold" nodeType="clickEffect">
+                                  <p:stCondLst>
+                                    <p:cond delay="0"/>
+                                  </p:stCondLst>
+                                  <p:childTnLst>
+                                    <p:set>
+                                      <p:cBhvr>
+                                        <p:cTn id="21" dur="1" fill="hold">
+                                          <p:stCondLst>
+                                            <p:cond delay="0"/>
+                                          </p:stCondLst>
+                                        </p:cTn>
+                                        <p:tgtEl>
+                                          <p:spTgt spid="7"/>
+                                        </p:tgtEl>
+                                        <p:attrNameLst>
+                                          <p:attrName>style.visibility</p:attrName>
+                                        </p:attrNameLst>
+                                      </p:cBhvr>
+                                      <p:to>
+                                        <p:strVal val="visible"/>
+                                      </p:to>
+                                    </p:set>
+                                    <p:animEffect transition="in" filter="fade">
+                                      <p:cBhvr>
+                                        <p:cTn id="22" dur="500"/>
+                                        <p:tgtEl>
+                                          <p:spTgt spid="7"/>
+                                        </p:tgtEl>
+                                      </p:cBhvr>
+                                    </p:animEffect>
+                                  </p:childTnLst>
+                                </p:cTn>
+                              </p:par>
+                            </p:childTnLst>
+                          </p:cTn>
+                        </p:par>
+                      </p:childTnLst>
+                    </p:cTn>
+                  </p:par>
+                </p:childTnLst>
+              </p:cTn>
+              <p:prevCondLst>
+                <p:cond evt="onPrev" delay="0">
+                  <p:tgtEl>
+                    <p:sldTgt/>
+                  </p:tgtEl>
+                </p:cond>
+              </p:prevCondLst>
+              <p:nextCondLst>
+                <p:cond evt="onNext" delay="0">
+                  <p:tgtEl>
+                    <p:sldTgt/>
+                  </p:tgtEl>
+                </p:cond>
+              </p:nextCondLst>
+            </p:seq>
+          </p:childTnLst>
+        </p:cTn>
+      </p:par>
+    </p:tnLst>
+  </p:timing>
 </p:sld>
 </file>
 
